--- a/ws_week5/SlideImages.pptx
+++ b/ws_week5/SlideImages.pptx
@@ -9858,7 +9858,7 @@
         </p:nvCxnSpPr>
         <p:spPr>
           <a:xfrm flipV="1">
-            <a:off x="2373084" y="3809999"/>
+            <a:off x="2595921" y="3793047"/>
             <a:ext cx="0" cy="1023256"/>
           </a:xfrm>
           <a:prstGeom prst="straightConnector1">
@@ -9902,7 +9902,7 @@
         </p:nvCxnSpPr>
         <p:spPr>
           <a:xfrm flipV="1">
-            <a:off x="2873827" y="3809999"/>
+            <a:off x="3245225" y="3825704"/>
             <a:ext cx="0" cy="1023256"/>
           </a:xfrm>
           <a:prstGeom prst="straightConnector1">
@@ -9990,7 +9990,7 @@
         </p:nvCxnSpPr>
         <p:spPr>
           <a:xfrm flipV="1">
-            <a:off x="9827240" y="3875315"/>
+            <a:off x="9546772" y="3830935"/>
             <a:ext cx="0" cy="1023256"/>
           </a:xfrm>
           <a:prstGeom prst="straightConnector1">
@@ -10034,7 +10034,7 @@
         </p:nvCxnSpPr>
         <p:spPr>
           <a:xfrm flipV="1">
-            <a:off x="9326497" y="3875315"/>
+            <a:off x="8946775" y="3825704"/>
             <a:ext cx="0" cy="1023256"/>
           </a:xfrm>
           <a:prstGeom prst="straightConnector1">
@@ -10076,7 +10076,7 @@
         </p:nvSpPr>
         <p:spPr>
           <a:xfrm>
-            <a:off x="1278750" y="4865912"/>
+            <a:off x="1737552" y="4898569"/>
             <a:ext cx="1358154" cy="400110"/>
           </a:xfrm>
           <a:prstGeom prst="rect">
@@ -10093,7 +10093,7 @@
             <a:pPr algn="ctr"/>
             <a:r>
               <a:rPr lang="en-AU" sz="2000" b="1" dirty="0"/>
-              <a:t>X(min-)</a:t>
+              <a:t>X(min)</a:t>
             </a:r>
           </a:p>
         </p:txBody>
@@ -10112,7 +10112,7 @@
         </p:nvSpPr>
         <p:spPr>
           <a:xfrm>
-            <a:off x="2571588" y="4898569"/>
+            <a:off x="2820041" y="4898569"/>
             <a:ext cx="1358154" cy="400110"/>
           </a:xfrm>
           <a:prstGeom prst="rect">
@@ -10148,7 +10148,7 @@
         </p:nvSpPr>
         <p:spPr>
           <a:xfrm>
-            <a:off x="8237929" y="4909456"/>
+            <a:off x="8137908" y="4862151"/>
             <a:ext cx="1358154" cy="400110"/>
           </a:xfrm>
           <a:prstGeom prst="rect">
@@ -10165,7 +10165,7 @@
             <a:pPr algn="ctr"/>
             <a:r>
               <a:rPr lang="en-AU" sz="2000" b="1" dirty="0"/>
-              <a:t>X(min +)</a:t>
+              <a:t>X(max-)</a:t>
             </a:r>
           </a:p>
         </p:txBody>
@@ -10184,8 +10184,8 @@
         </p:nvSpPr>
         <p:spPr>
           <a:xfrm>
-            <a:off x="9596081" y="4898571"/>
-            <a:ext cx="984838" cy="400110"/>
+            <a:off x="9252856" y="4898569"/>
+            <a:ext cx="1088570" cy="400110"/>
           </a:xfrm>
           <a:prstGeom prst="rect">
             <a:avLst/>
@@ -10310,78 +10310,6 @@
             <a:r>
               <a:rPr lang="en-AU" sz="5400" b="1" dirty="0"/>
               <a:t>b</a:t>
-            </a:r>
-          </a:p>
-        </p:txBody>
-      </p:sp>
-      <p:sp>
-        <p:nvSpPr>
-          <p:cNvPr id="25" name="TextBox 24">
-            <a:extLst>
-              <a:ext uri="{FF2B5EF4-FFF2-40B4-BE49-F238E27FC236}">
-                <a16:creationId xmlns:a16="http://schemas.microsoft.com/office/drawing/2014/main" id="{9D8055F3-DED6-4A42-B1CA-20259452A4A9}"/>
-              </a:ext>
-            </a:extLst>
-          </p:cNvPr>
-          <p:cNvSpPr txBox="1"/>
-          <p:nvPr/>
-        </p:nvSpPr>
-        <p:spPr>
-          <a:xfrm>
-            <a:off x="1887071" y="2153215"/>
-            <a:ext cx="1358154" cy="400110"/>
-          </a:xfrm>
-          <a:prstGeom prst="rect">
-            <a:avLst/>
-          </a:prstGeom>
-          <a:noFill/>
-        </p:spPr>
-        <p:txBody>
-          <a:bodyPr wrap="square" rtlCol="0">
-            <a:spAutoFit/>
-          </a:bodyPr>
-          <a:lstStyle/>
-          <a:p>
-            <a:pPr algn="ctr"/>
-            <a:r>
-              <a:rPr lang="en-AU" sz="2000" b="1" dirty="0"/>
-              <a:t>X(min)</a:t>
-            </a:r>
-          </a:p>
-        </p:txBody>
-      </p:sp>
-      <p:sp>
-        <p:nvSpPr>
-          <p:cNvPr id="26" name="TextBox 25">
-            <a:extLst>
-              <a:ext uri="{FF2B5EF4-FFF2-40B4-BE49-F238E27FC236}">
-                <a16:creationId xmlns:a16="http://schemas.microsoft.com/office/drawing/2014/main" id="{95E04CC4-484A-4FED-A16D-0C0C6749814D}"/>
-              </a:ext>
-            </a:extLst>
-          </p:cNvPr>
-          <p:cNvSpPr txBox="1"/>
-          <p:nvPr/>
-        </p:nvSpPr>
-        <p:spPr>
-          <a:xfrm>
-            <a:off x="8968551" y="2110651"/>
-            <a:ext cx="984838" cy="400110"/>
-          </a:xfrm>
-          <a:prstGeom prst="rect">
-            <a:avLst/>
-          </a:prstGeom>
-          <a:noFill/>
-        </p:spPr>
-        <p:txBody>
-          <a:bodyPr wrap="square" rtlCol="0">
-            <a:spAutoFit/>
-          </a:bodyPr>
-          <a:lstStyle/>
-          <a:p>
-            <a:pPr algn="ctr"/>
-            <a:r>
-              <a:rPr lang="en-AU" sz="2000" b="1" dirty="0"/>
-              <a:t>X(max)</a:t>
             </a:r>
           </a:p>
         </p:txBody>
@@ -10695,12 +10623,9 @@
 </file>
 
 <file path=customXml/item1.xml><?xml version="1.0" encoding="utf-8"?>
-<?mso-contentType ?>
-<FormTemplates xmlns="http://schemas.microsoft.com/sharepoint/v3/contenttype/forms">
-  <Display>DocumentLibraryForm</Display>
-  <Edit>DocumentLibraryForm</Edit>
-  <New>DocumentLibraryForm</New>
-</FormTemplates>
+<p:properties xmlns:p="http://schemas.microsoft.com/office/2006/metadata/properties" xmlns:xsi="http://www.w3.org/2001/XMLSchema-instance" xmlns:pc="http://schemas.microsoft.com/office/infopath/2007/PartnerControls">
+  <documentManagement/>
+</p:properties>
 </file>
 
 <file path=customXml/item2.xml><?xml version="1.0" encoding="utf-8"?>
@@ -10941,15 +10866,27 @@
 </file>
 
 <file path=customXml/item3.xml><?xml version="1.0" encoding="utf-8"?>
-<p:properties xmlns:p="http://schemas.microsoft.com/office/2006/metadata/properties" xmlns:xsi="http://www.w3.org/2001/XMLSchema-instance" xmlns:pc="http://schemas.microsoft.com/office/infopath/2007/PartnerControls">
-  <documentManagement/>
-</p:properties>
+<?mso-contentType ?>
+<FormTemplates xmlns="http://schemas.microsoft.com/sharepoint/v3/contenttype/forms">
+  <Display>DocumentLibraryForm</Display>
+  <Edit>DocumentLibraryForm</Edit>
+  <New>DocumentLibraryForm</New>
+</FormTemplates>
 </file>
 
 <file path=customXml/itemProps1.xml><?xml version="1.0" encoding="utf-8"?>
-<ds:datastoreItem xmlns:ds="http://schemas.openxmlformats.org/officeDocument/2006/customXml" ds:itemID="{8D04D959-D2B4-44F5-8E85-2D3B6F3F223E}">
+<ds:datastoreItem xmlns:ds="http://schemas.openxmlformats.org/officeDocument/2006/customXml" ds:itemID="{F69ED5F8-608B-489A-BDCF-C856FF183B36}">
   <ds:schemaRefs>
-    <ds:schemaRef ds:uri="http://schemas.microsoft.com/sharepoint/v3/contenttype/forms"/>
+    <ds:schemaRef ds:uri="http://purl.org/dc/elements/1.1/"/>
+    <ds:schemaRef ds:uri="http://schemas.microsoft.com/office/2006/documentManagement/types"/>
+    <ds:schemaRef ds:uri="http://schemas.openxmlformats.org/package/2006/metadata/core-properties"/>
+    <ds:schemaRef ds:uri="9f712a78-d248-4d8e-9efc-913250726f4d"/>
+    <ds:schemaRef ds:uri="http://purl.org/dc/terms/"/>
+    <ds:schemaRef ds:uri="http://schemas.microsoft.com/office/2006/metadata/properties"/>
+    <ds:schemaRef ds:uri="http://schemas.microsoft.com/office/infopath/2007/PartnerControls"/>
+    <ds:schemaRef ds:uri="bd44e2ee-3c8b-430e-a5d4-7c9e45a5e279"/>
+    <ds:schemaRef ds:uri="http://www.w3.org/XML/1998/namespace"/>
+    <ds:schemaRef ds:uri="http://purl.org/dc/dcmitype/"/>
   </ds:schemaRefs>
 </ds:datastoreItem>
 </file>
@@ -10974,18 +10911,9 @@
 </file>
 
 <file path=customXml/itemProps3.xml><?xml version="1.0" encoding="utf-8"?>
-<ds:datastoreItem xmlns:ds="http://schemas.openxmlformats.org/officeDocument/2006/customXml" ds:itemID="{F69ED5F8-608B-489A-BDCF-C856FF183B36}">
+<ds:datastoreItem xmlns:ds="http://schemas.openxmlformats.org/officeDocument/2006/customXml" ds:itemID="{8D04D959-D2B4-44F5-8E85-2D3B6F3F223E}">
   <ds:schemaRefs>
-    <ds:schemaRef ds:uri="http://purl.org/dc/elements/1.1/"/>
-    <ds:schemaRef ds:uri="http://schemas.microsoft.com/office/2006/documentManagement/types"/>
-    <ds:schemaRef ds:uri="http://schemas.openxmlformats.org/package/2006/metadata/core-properties"/>
-    <ds:schemaRef ds:uri="9f712a78-d248-4d8e-9efc-913250726f4d"/>
-    <ds:schemaRef ds:uri="http://purl.org/dc/terms/"/>
-    <ds:schemaRef ds:uri="http://schemas.microsoft.com/office/2006/metadata/properties"/>
-    <ds:schemaRef ds:uri="http://schemas.microsoft.com/office/infopath/2007/PartnerControls"/>
-    <ds:schemaRef ds:uri="bd44e2ee-3c8b-430e-a5d4-7c9e45a5e279"/>
-    <ds:schemaRef ds:uri="http://www.w3.org/XML/1998/namespace"/>
-    <ds:schemaRef ds:uri="http://purl.org/dc/dcmitype/"/>
+    <ds:schemaRef ds:uri="http://schemas.microsoft.com/sharepoint/v3/contenttype/forms"/>
   </ds:schemaRefs>
 </ds:datastoreItem>
 </file>